--- a/02_TP/TP1 Réseaux Informatiques Doom.pptx
+++ b/02_TP/TP1 Réseaux Informatiques Doom.pptx
@@ -216,7 +216,7 @@
           <a:p>
             <a:fld id="{7EC20285-E330-4D32-B121-3425F8553E69}" type="datetimeFigureOut">
               <a:rPr lang="fr-FR" smtClean="0"/>
-              <a:t>18/12/2023</a:t>
+              <a:t>22/12/2023</a:t>
             </a:fld>
             <a:endParaRPr lang="fr-FR"/>
           </a:p>
@@ -860,7 +860,7 @@
           <a:p>
             <a:fld id="{449235ED-62CB-4048-8D5F-74D492A1C6D7}" type="datetimeFigureOut">
               <a:rPr lang="fr-FR" smtClean="0"/>
-              <a:t>18/12/2023</a:t>
+              <a:t>22/12/2023</a:t>
             </a:fld>
             <a:endParaRPr lang="fr-FR"/>
           </a:p>
@@ -1058,7 +1058,7 @@
           <a:p>
             <a:fld id="{449235ED-62CB-4048-8D5F-74D492A1C6D7}" type="datetimeFigureOut">
               <a:rPr lang="fr-FR" smtClean="0"/>
-              <a:t>18/12/2023</a:t>
+              <a:t>22/12/2023</a:t>
             </a:fld>
             <a:endParaRPr lang="fr-FR"/>
           </a:p>
@@ -1266,7 +1266,7 @@
           <a:p>
             <a:fld id="{449235ED-62CB-4048-8D5F-74D492A1C6D7}" type="datetimeFigureOut">
               <a:rPr lang="fr-FR" smtClean="0"/>
-              <a:t>18/12/2023</a:t>
+              <a:t>22/12/2023</a:t>
             </a:fld>
             <a:endParaRPr lang="fr-FR"/>
           </a:p>
@@ -1464,7 +1464,7 @@
           <a:p>
             <a:fld id="{449235ED-62CB-4048-8D5F-74D492A1C6D7}" type="datetimeFigureOut">
               <a:rPr lang="fr-FR" smtClean="0"/>
-              <a:t>18/12/2023</a:t>
+              <a:t>22/12/2023</a:t>
             </a:fld>
             <a:endParaRPr lang="fr-FR"/>
           </a:p>
@@ -1739,7 +1739,7 @@
           <a:p>
             <a:fld id="{449235ED-62CB-4048-8D5F-74D492A1C6D7}" type="datetimeFigureOut">
               <a:rPr lang="fr-FR" smtClean="0"/>
-              <a:t>18/12/2023</a:t>
+              <a:t>22/12/2023</a:t>
             </a:fld>
             <a:endParaRPr lang="fr-FR"/>
           </a:p>
@@ -2004,7 +2004,7 @@
           <a:p>
             <a:fld id="{449235ED-62CB-4048-8D5F-74D492A1C6D7}" type="datetimeFigureOut">
               <a:rPr lang="fr-FR" smtClean="0"/>
-              <a:t>18/12/2023</a:t>
+              <a:t>22/12/2023</a:t>
             </a:fld>
             <a:endParaRPr lang="fr-FR"/>
           </a:p>
@@ -2416,7 +2416,7 @@
           <a:p>
             <a:fld id="{449235ED-62CB-4048-8D5F-74D492A1C6D7}" type="datetimeFigureOut">
               <a:rPr lang="fr-FR" smtClean="0"/>
-              <a:t>18/12/2023</a:t>
+              <a:t>22/12/2023</a:t>
             </a:fld>
             <a:endParaRPr lang="fr-FR"/>
           </a:p>
@@ -2557,7 +2557,7 @@
           <a:p>
             <a:fld id="{449235ED-62CB-4048-8D5F-74D492A1C6D7}" type="datetimeFigureOut">
               <a:rPr lang="fr-FR" smtClean="0"/>
-              <a:t>18/12/2023</a:t>
+              <a:t>22/12/2023</a:t>
             </a:fld>
             <a:endParaRPr lang="fr-FR"/>
           </a:p>
@@ -2670,7 +2670,7 @@
           <a:p>
             <a:fld id="{449235ED-62CB-4048-8D5F-74D492A1C6D7}" type="datetimeFigureOut">
               <a:rPr lang="fr-FR" smtClean="0"/>
-              <a:t>18/12/2023</a:t>
+              <a:t>22/12/2023</a:t>
             </a:fld>
             <a:endParaRPr lang="fr-FR"/>
           </a:p>
@@ -2981,7 +2981,7 @@
           <a:p>
             <a:fld id="{449235ED-62CB-4048-8D5F-74D492A1C6D7}" type="datetimeFigureOut">
               <a:rPr lang="fr-FR" smtClean="0"/>
-              <a:t>18/12/2023</a:t>
+              <a:t>22/12/2023</a:t>
             </a:fld>
             <a:endParaRPr lang="fr-FR"/>
           </a:p>
@@ -3269,7 +3269,7 @@
           <a:p>
             <a:fld id="{449235ED-62CB-4048-8D5F-74D492A1C6D7}" type="datetimeFigureOut">
               <a:rPr lang="fr-FR" smtClean="0"/>
-              <a:t>18/12/2023</a:t>
+              <a:t>22/12/2023</a:t>
             </a:fld>
             <a:endParaRPr lang="fr-FR"/>
           </a:p>
@@ -3510,7 +3510,7 @@
           <a:p>
             <a:fld id="{449235ED-62CB-4048-8D5F-74D492A1C6D7}" type="datetimeFigureOut">
               <a:rPr lang="fr-FR" smtClean="0"/>
-              <a:t>18/12/2023</a:t>
+              <a:t>22/12/2023</a:t>
             </a:fld>
             <a:endParaRPr lang="fr-FR"/>
           </a:p>
@@ -7866,6 +7866,17 @@
             </a:r>
           </a:p>
           <a:p>
+            <a:pPr lvl="1"/>
+            <a:r>
+              <a:rPr lang="en-US" dirty="0" err="1"/>
+              <a:t>Depuis</a:t>
+            </a:r>
+            <a:r>
+              <a:rPr lang="en-US" dirty="0"/>
+              <a:t> le dossier</a:t>
+            </a:r>
+          </a:p>
+          <a:p>
             <a:r>
               <a:rPr lang="en-US" dirty="0" err="1"/>
               <a:t>Joueur</a:t>
@@ -7877,6 +7888,52 @@
             <a:r>
               <a:rPr lang="en-US" dirty="0" err="1"/>
               <a:t>ADRESSE_IP</a:t>
+            </a:r>
+            <a:endParaRPr lang="en-US" dirty="0"/>
+          </a:p>
+          <a:p>
+            <a:pPr lvl="1"/>
+            <a:r>
+              <a:rPr lang="en-US" dirty="0" err="1"/>
+              <a:t>Depuis</a:t>
+            </a:r>
+            <a:r>
+              <a:rPr lang="en-US" dirty="0"/>
+              <a:t> le dossier</a:t>
+            </a:r>
+          </a:p>
+          <a:p>
+            <a:pPr lvl="1"/>
+            <a:endParaRPr lang="en-US" dirty="0"/>
+          </a:p>
+          <a:p>
+            <a:pPr marL="457200" lvl="1" indent="0">
+              <a:buNone/>
+            </a:pPr>
+            <a:r>
+              <a:rPr lang="en-US" dirty="0"/>
+              <a:t>		</a:t>
+            </a:r>
+          </a:p>
+          <a:p>
+            <a:pPr marL="457200" lvl="1" indent="0">
+              <a:buNone/>
+            </a:pPr>
+            <a:r>
+              <a:rPr lang="en-US" dirty="0"/>
+              <a:t>MAC : </a:t>
+            </a:r>
+            <a:r>
+              <a:rPr lang="en-US" dirty="0" err="1"/>
+              <a:t>GZdoom.app</a:t>
+            </a:r>
+            <a:r>
+              <a:rPr lang="en-US" dirty="0"/>
+              <a:t>/Contents/MacOS/</a:t>
+            </a:r>
+            <a:r>
+              <a:rPr lang="en-US"/>
+              <a:t>gzdoom</a:t>
             </a:r>
             <a:endParaRPr lang="fr-FR" dirty="0"/>
           </a:p>
@@ -9752,36 +9809,6 @@
           </a:p>
         </p:txBody>
       </p:sp>
-      <p:pic>
-        <p:nvPicPr>
-          <p:cNvPr id="4" name="Image 3">
-            <a:extLst>
-              <a:ext uri="{FF2B5EF4-FFF2-40B4-BE49-F238E27FC236}">
-                <a16:creationId xmlns:a16="http://schemas.microsoft.com/office/drawing/2014/main" id="{58BCE99C-BF7B-437C-7B0B-EBFE73B8146D}"/>
-              </a:ext>
-            </a:extLst>
-          </p:cNvPr>
-          <p:cNvPicPr>
-            <a:picLocks noChangeAspect="1"/>
-          </p:cNvPicPr>
-          <p:nvPr/>
-        </p:nvPicPr>
-        <p:blipFill>
-          <a:blip r:embed="rId3"/>
-          <a:stretch>
-            <a:fillRect/>
-          </a:stretch>
-        </p:blipFill>
-        <p:spPr>
-          <a:xfrm>
-            <a:off x="3375983" y="3206657"/>
-            <a:ext cx="8120692" cy="995500"/>
-          </a:xfrm>
-          <a:prstGeom prst="rect">
-            <a:avLst/>
-          </a:prstGeom>
-        </p:spPr>
-      </p:pic>
     </p:spTree>
     <p:extLst>
       <p:ext uri="{BB962C8B-B14F-4D97-AF65-F5344CB8AC3E}">
